--- a/doc/1210组工系统汇报.pptx
+++ b/doc/1210组工系统汇报.pptx
@@ -356,13 +356,13 @@
                 <c:formatCode>General</c:formatCode>
                 <c:ptCount val="3"/>
                 <c:pt idx="0">
-                  <c:v>70</c:v>
+                  <c:v>70.0</c:v>
                 </c:pt>
                 <c:pt idx="1">
-                  <c:v>20</c:v>
+                  <c:v>20.0</c:v>
                 </c:pt>
                 <c:pt idx="2">
-                  <c:v>10</c:v>
+                  <c:v>10.0</c:v>
                 </c:pt>
               </c:numCache>
             </c:numRef>
@@ -1119,7 +1119,7 @@
           <a:p>
             <a:fld id="{7C13F6BC-96AB-4A6D-B49E-4D8E2A6BD058}" type="datetimeFigureOut">
               <a:rPr lang="zh-CN" altLang="en-US" smtClean="0"/>
-              <a:t>2015/12/10</a:t>
+              <a:t>15/12/10</a:t>
             </a:fld>
             <a:endParaRPr lang="zh-CN" altLang="en-US"/>
           </a:p>
@@ -1431,6 +1431,342 @@
           <a:bodyPr/>
           <a:lstStyle/>
           <a:p>
+            <a:endParaRPr kumimoji="1" lang="zh-CN" altLang="en-US" dirty="0"/>
+          </a:p>
+        </p:txBody>
+      </p:sp>
+      <p:sp>
+        <p:nvSpPr>
+          <p:cNvPr id="4" name="幻灯片编号占位符 3"/>
+          <p:cNvSpPr>
+            <a:spLocks noGrp="1"/>
+          </p:cNvSpPr>
+          <p:nvPr>
+            <p:ph type="sldNum" sz="quarter" idx="10"/>
+          </p:nvPr>
+        </p:nvSpPr>
+        <p:spPr/>
+        <p:txBody>
+          <a:bodyPr/>
+          <a:lstStyle/>
+          <a:p>
+            <a:fld id="{4FC2710D-08E8-4CF6-AD43-9E779F2D7E64}" type="slidenum">
+              <a:rPr lang="zh-CN" altLang="en-US" smtClean="0"/>
+              <a:t>1</a:t>
+            </a:fld>
+            <a:endParaRPr lang="zh-CN" altLang="en-US"/>
+          </a:p>
+        </p:txBody>
+      </p:sp>
+    </p:spTree>
+    <p:extLst>
+      <p:ext uri="{BB962C8B-B14F-4D97-AF65-F5344CB8AC3E}">
+        <p14:creationId xmlns:p14="http://schemas.microsoft.com/office/powerpoint/2010/main" val="521595368"/>
+      </p:ext>
+    </p:extLst>
+  </p:cSld>
+  <p:clrMapOvr>
+    <a:masterClrMapping/>
+  </p:clrMapOvr>
+</p:notes>
+</file>
+
+<file path=ppt/notesSlides/notesSlide2.xml><?xml version="1.0" encoding="utf-8"?>
+<p:notes xmlns:a="http://schemas.openxmlformats.org/drawingml/2006/main" xmlns:r="http://schemas.openxmlformats.org/officeDocument/2006/relationships" xmlns:p="http://schemas.openxmlformats.org/presentationml/2006/main">
+  <p:cSld>
+    <p:spTree>
+      <p:nvGrpSpPr>
+        <p:cNvPr id="1" name=""/>
+        <p:cNvGrpSpPr/>
+        <p:nvPr/>
+      </p:nvGrpSpPr>
+      <p:grpSpPr>
+        <a:xfrm>
+          <a:off x="0" y="0"/>
+          <a:ext cx="0" cy="0"/>
+          <a:chOff x="0" y="0"/>
+          <a:chExt cx="0" cy="0"/>
+        </a:xfrm>
+      </p:grpSpPr>
+      <p:sp>
+        <p:nvSpPr>
+          <p:cNvPr id="2" name="幻灯片图像占位符 1"/>
+          <p:cNvSpPr>
+            <a:spLocks noGrp="1" noRot="1" noChangeAspect="1"/>
+          </p:cNvSpPr>
+          <p:nvPr>
+            <p:ph type="sldImg"/>
+          </p:nvPr>
+        </p:nvSpPr>
+        <p:spPr/>
+      </p:sp>
+      <p:sp>
+        <p:nvSpPr>
+          <p:cNvPr id="3" name="备注占位符 2"/>
+          <p:cNvSpPr>
+            <a:spLocks noGrp="1"/>
+          </p:cNvSpPr>
+          <p:nvPr>
+            <p:ph type="body" idx="1"/>
+          </p:nvPr>
+        </p:nvSpPr>
+        <p:spPr/>
+        <p:txBody>
+          <a:bodyPr/>
+          <a:lstStyle/>
+          <a:p>
+            <a:endParaRPr kumimoji="1" lang="en-US" altLang="zh-CN" dirty="0" smtClean="0"/>
+          </a:p>
+        </p:txBody>
+      </p:sp>
+      <p:sp>
+        <p:nvSpPr>
+          <p:cNvPr id="4" name="幻灯片编号占位符 3"/>
+          <p:cNvSpPr>
+            <a:spLocks noGrp="1"/>
+          </p:cNvSpPr>
+          <p:nvPr>
+            <p:ph type="sldNum" sz="quarter" idx="10"/>
+          </p:nvPr>
+        </p:nvSpPr>
+        <p:spPr/>
+        <p:txBody>
+          <a:bodyPr/>
+          <a:lstStyle/>
+          <a:p>
+            <a:fld id="{4FC2710D-08E8-4CF6-AD43-9E779F2D7E64}" type="slidenum">
+              <a:rPr lang="zh-CN" altLang="en-US" smtClean="0"/>
+              <a:t>2</a:t>
+            </a:fld>
+            <a:endParaRPr lang="zh-CN" altLang="en-US"/>
+          </a:p>
+        </p:txBody>
+      </p:sp>
+    </p:spTree>
+    <p:extLst>
+      <p:ext uri="{BB962C8B-B14F-4D97-AF65-F5344CB8AC3E}">
+        <p14:creationId xmlns:p14="http://schemas.microsoft.com/office/powerpoint/2010/main" val="1801979802"/>
+      </p:ext>
+    </p:extLst>
+  </p:cSld>
+  <p:clrMapOvr>
+    <a:masterClrMapping/>
+  </p:clrMapOvr>
+</p:notes>
+</file>
+
+<file path=ppt/notesSlides/notesSlide3.xml><?xml version="1.0" encoding="utf-8"?>
+<p:notes xmlns:a="http://schemas.openxmlformats.org/drawingml/2006/main" xmlns:r="http://schemas.openxmlformats.org/officeDocument/2006/relationships" xmlns:p="http://schemas.openxmlformats.org/presentationml/2006/main">
+  <p:cSld>
+    <p:spTree>
+      <p:nvGrpSpPr>
+        <p:cNvPr id="1" name=""/>
+        <p:cNvGrpSpPr/>
+        <p:nvPr/>
+      </p:nvGrpSpPr>
+      <p:grpSpPr>
+        <a:xfrm>
+          <a:off x="0" y="0"/>
+          <a:ext cx="0" cy="0"/>
+          <a:chOff x="0" y="0"/>
+          <a:chExt cx="0" cy="0"/>
+        </a:xfrm>
+      </p:grpSpPr>
+      <p:sp>
+        <p:nvSpPr>
+          <p:cNvPr id="2" name="幻灯片图像占位符 1"/>
+          <p:cNvSpPr>
+            <a:spLocks noGrp="1" noRot="1" noChangeAspect="1"/>
+          </p:cNvSpPr>
+          <p:nvPr>
+            <p:ph type="sldImg"/>
+          </p:nvPr>
+        </p:nvSpPr>
+        <p:spPr/>
+      </p:sp>
+      <p:sp>
+        <p:nvSpPr>
+          <p:cNvPr id="3" name="备注占位符 2"/>
+          <p:cNvSpPr>
+            <a:spLocks noGrp="1"/>
+          </p:cNvSpPr>
+          <p:nvPr>
+            <p:ph type="body" idx="1"/>
+          </p:nvPr>
+        </p:nvSpPr>
+        <p:spPr/>
+        <p:txBody>
+          <a:bodyPr/>
+          <a:lstStyle/>
+          <a:p>
+            <a:endParaRPr kumimoji="1" lang="zh-CN" altLang="en-US" dirty="0"/>
+          </a:p>
+        </p:txBody>
+      </p:sp>
+      <p:sp>
+        <p:nvSpPr>
+          <p:cNvPr id="4" name="幻灯片编号占位符 3"/>
+          <p:cNvSpPr>
+            <a:spLocks noGrp="1"/>
+          </p:cNvSpPr>
+          <p:nvPr>
+            <p:ph type="sldNum" sz="quarter" idx="10"/>
+          </p:nvPr>
+        </p:nvSpPr>
+        <p:spPr/>
+        <p:txBody>
+          <a:bodyPr/>
+          <a:lstStyle/>
+          <a:p>
+            <a:fld id="{4FC2710D-08E8-4CF6-AD43-9E779F2D7E64}" type="slidenum">
+              <a:rPr lang="zh-CN" altLang="en-US" smtClean="0"/>
+              <a:t>3</a:t>
+            </a:fld>
+            <a:endParaRPr lang="zh-CN" altLang="en-US"/>
+          </a:p>
+        </p:txBody>
+      </p:sp>
+    </p:spTree>
+    <p:extLst>
+      <p:ext uri="{BB962C8B-B14F-4D97-AF65-F5344CB8AC3E}">
+        <p14:creationId xmlns:p14="http://schemas.microsoft.com/office/powerpoint/2010/main" val="1315634022"/>
+      </p:ext>
+    </p:extLst>
+  </p:cSld>
+  <p:clrMapOvr>
+    <a:masterClrMapping/>
+  </p:clrMapOvr>
+</p:notes>
+</file>
+
+<file path=ppt/notesSlides/notesSlide4.xml><?xml version="1.0" encoding="utf-8"?>
+<p:notes xmlns:a="http://schemas.openxmlformats.org/drawingml/2006/main" xmlns:r="http://schemas.openxmlformats.org/officeDocument/2006/relationships" xmlns:p="http://schemas.openxmlformats.org/presentationml/2006/main">
+  <p:cSld>
+    <p:spTree>
+      <p:nvGrpSpPr>
+        <p:cNvPr id="1" name=""/>
+        <p:cNvGrpSpPr/>
+        <p:nvPr/>
+      </p:nvGrpSpPr>
+      <p:grpSpPr>
+        <a:xfrm>
+          <a:off x="0" y="0"/>
+          <a:ext cx="0" cy="0"/>
+          <a:chOff x="0" y="0"/>
+          <a:chExt cx="0" cy="0"/>
+        </a:xfrm>
+      </p:grpSpPr>
+      <p:sp>
+        <p:nvSpPr>
+          <p:cNvPr id="2" name="幻灯片图像占位符 1"/>
+          <p:cNvSpPr>
+            <a:spLocks noGrp="1" noRot="1" noChangeAspect="1"/>
+          </p:cNvSpPr>
+          <p:nvPr>
+            <p:ph type="sldImg"/>
+          </p:nvPr>
+        </p:nvSpPr>
+        <p:spPr/>
+      </p:sp>
+      <p:sp>
+        <p:nvSpPr>
+          <p:cNvPr id="3" name="备注占位符 2"/>
+          <p:cNvSpPr>
+            <a:spLocks noGrp="1"/>
+          </p:cNvSpPr>
+          <p:nvPr>
+            <p:ph type="body" idx="1"/>
+          </p:nvPr>
+        </p:nvSpPr>
+        <p:spPr/>
+        <p:txBody>
+          <a:bodyPr/>
+          <a:lstStyle/>
+          <a:p>
+            <a:endParaRPr kumimoji="1" lang="zh-CN" altLang="en-US" dirty="0"/>
+          </a:p>
+        </p:txBody>
+      </p:sp>
+      <p:sp>
+        <p:nvSpPr>
+          <p:cNvPr id="4" name="幻灯片编号占位符 3"/>
+          <p:cNvSpPr>
+            <a:spLocks noGrp="1"/>
+          </p:cNvSpPr>
+          <p:nvPr>
+            <p:ph type="sldNum" sz="quarter" idx="10"/>
+          </p:nvPr>
+        </p:nvSpPr>
+        <p:spPr/>
+        <p:txBody>
+          <a:bodyPr/>
+          <a:lstStyle/>
+          <a:p>
+            <a:fld id="{4FC2710D-08E8-4CF6-AD43-9E779F2D7E64}" type="slidenum">
+              <a:rPr lang="zh-CN" altLang="en-US" smtClean="0"/>
+              <a:t>9</a:t>
+            </a:fld>
+            <a:endParaRPr lang="zh-CN" altLang="en-US"/>
+          </a:p>
+        </p:txBody>
+      </p:sp>
+    </p:spTree>
+    <p:extLst>
+      <p:ext uri="{BB962C8B-B14F-4D97-AF65-F5344CB8AC3E}">
+        <p14:creationId xmlns:p14="http://schemas.microsoft.com/office/powerpoint/2010/main" val="635723058"/>
+      </p:ext>
+    </p:extLst>
+  </p:cSld>
+  <p:clrMapOvr>
+    <a:masterClrMapping/>
+  </p:clrMapOvr>
+</p:notes>
+</file>
+
+<file path=ppt/notesSlides/notesSlide5.xml><?xml version="1.0" encoding="utf-8"?>
+<p:notes xmlns:a="http://schemas.openxmlformats.org/drawingml/2006/main" xmlns:r="http://schemas.openxmlformats.org/officeDocument/2006/relationships" xmlns:p="http://schemas.openxmlformats.org/presentationml/2006/main">
+  <p:cSld>
+    <p:spTree>
+      <p:nvGrpSpPr>
+        <p:cNvPr id="1" name=""/>
+        <p:cNvGrpSpPr/>
+        <p:nvPr/>
+      </p:nvGrpSpPr>
+      <p:grpSpPr>
+        <a:xfrm>
+          <a:off x="0" y="0"/>
+          <a:ext cx="0" cy="0"/>
+          <a:chOff x="0" y="0"/>
+          <a:chExt cx="0" cy="0"/>
+        </a:xfrm>
+      </p:grpSpPr>
+      <p:sp>
+        <p:nvSpPr>
+          <p:cNvPr id="2" name="幻灯片图像占位符 1"/>
+          <p:cNvSpPr>
+            <a:spLocks noGrp="1" noRot="1" noChangeAspect="1"/>
+          </p:cNvSpPr>
+          <p:nvPr>
+            <p:ph type="sldImg"/>
+          </p:nvPr>
+        </p:nvSpPr>
+        <p:spPr/>
+      </p:sp>
+      <p:sp>
+        <p:nvSpPr>
+          <p:cNvPr id="3" name="备注占位符 2"/>
+          <p:cNvSpPr>
+            <a:spLocks noGrp="1"/>
+          </p:cNvSpPr>
+          <p:nvPr>
+            <p:ph type="body" idx="1"/>
+          </p:nvPr>
+        </p:nvSpPr>
+        <p:spPr/>
+        <p:txBody>
+          <a:bodyPr/>
+          <a:lstStyle/>
+          <a:p>
             <a:endParaRPr lang="zh-CN" altLang="en-US" dirty="0"/>
           </a:p>
         </p:txBody>
@@ -1471,7 +1807,7 @@
 </p:notes>
 </file>
 
-<file path=ppt/notesSlides/notesSlide2.xml><?xml version="1.0" encoding="utf-8"?>
+<file path=ppt/notesSlides/notesSlide6.xml><?xml version="1.0" encoding="utf-8"?>
 <p:notes xmlns:a="http://schemas.openxmlformats.org/drawingml/2006/main" xmlns:r="http://schemas.openxmlformats.org/officeDocument/2006/relationships" xmlns:p="http://schemas.openxmlformats.org/presentationml/2006/main">
   <p:cSld>
     <p:spTree>
@@ -1743,7 +2079,7 @@
           <a:p>
             <a:fld id="{70FA765B-E17F-4060-A85E-28D4811EAE6B}" type="datetimeFigureOut">
               <a:rPr lang="zh-CN" altLang="en-US" smtClean="0"/>
-              <a:t>2015/12/10</a:t>
+              <a:t>15/12/10</a:t>
             </a:fld>
             <a:endParaRPr lang="zh-CN" altLang="en-US"/>
           </a:p>
@@ -2081,7 +2417,7 @@
           <a:p>
             <a:fld id="{70FA765B-E17F-4060-A85E-28D4811EAE6B}" type="datetimeFigureOut">
               <a:rPr lang="zh-CN" altLang="en-US" smtClean="0"/>
-              <a:t>2015/12/10</a:t>
+              <a:t>15/12/10</a:t>
             </a:fld>
             <a:endParaRPr lang="zh-CN" altLang="en-US"/>
           </a:p>
@@ -2482,7 +2818,7 @@
           <a:p>
             <a:fld id="{70FA765B-E17F-4060-A85E-28D4811EAE6B}" type="datetimeFigureOut">
               <a:rPr lang="zh-CN" altLang="en-US" smtClean="0"/>
-              <a:t>2015/12/10</a:t>
+              <a:t>15/12/10</a:t>
             </a:fld>
             <a:endParaRPr lang="zh-CN" altLang="en-US"/>
           </a:p>
@@ -2818,7 +3154,7 @@
           <a:p>
             <a:fld id="{70FA765B-E17F-4060-A85E-28D4811EAE6B}" type="datetimeFigureOut">
               <a:rPr lang="zh-CN" altLang="en-US" smtClean="0"/>
-              <a:t>2015/12/10</a:t>
+              <a:t>15/12/10</a:t>
             </a:fld>
             <a:endParaRPr lang="zh-CN" altLang="en-US"/>
           </a:p>
@@ -3138,7 +3474,7 @@
           <a:p>
             <a:fld id="{70FA765B-E17F-4060-A85E-28D4811EAE6B}" type="datetimeFigureOut">
               <a:rPr lang="zh-CN" altLang="en-US" smtClean="0"/>
-              <a:t>2015/12/10</a:t>
+              <a:t>15/12/10</a:t>
             </a:fld>
             <a:endParaRPr lang="zh-CN" altLang="en-US"/>
           </a:p>
@@ -3534,7 +3870,7 @@
           <a:p>
             <a:fld id="{70FA765B-E17F-4060-A85E-28D4811EAE6B}" type="datetimeFigureOut">
               <a:rPr lang="zh-CN" altLang="en-US" smtClean="0"/>
-              <a:t>2015/12/10</a:t>
+              <a:t>15/12/10</a:t>
             </a:fld>
             <a:endParaRPr lang="zh-CN" altLang="en-US"/>
           </a:p>
@@ -3791,7 +4127,7 @@
           <a:p>
             <a:fld id="{70FA765B-E17F-4060-A85E-28D4811EAE6B}" type="datetimeFigureOut">
               <a:rPr lang="zh-CN" altLang="en-US" smtClean="0"/>
-              <a:t>2015/12/10</a:t>
+              <a:t>15/12/10</a:t>
             </a:fld>
             <a:endParaRPr lang="zh-CN" altLang="en-US"/>
           </a:p>
@@ -4053,7 +4389,7 @@
           <a:p>
             <a:fld id="{70FA765B-E17F-4060-A85E-28D4811EAE6B}" type="datetimeFigureOut">
               <a:rPr lang="zh-CN" altLang="en-US" smtClean="0"/>
-              <a:t>2015/12/10</a:t>
+              <a:t>15/12/10</a:t>
             </a:fld>
             <a:endParaRPr lang="zh-CN" altLang="en-US"/>
           </a:p>
@@ -4315,7 +4651,7 @@
           <a:p>
             <a:fld id="{70FA765B-E17F-4060-A85E-28D4811EAE6B}" type="datetimeFigureOut">
               <a:rPr lang="zh-CN" altLang="en-US" smtClean="0"/>
-              <a:t>2015/12/10</a:t>
+              <a:t>15/12/10</a:t>
             </a:fld>
             <a:endParaRPr lang="zh-CN" altLang="en-US"/>
           </a:p>
@@ -4644,7 +4980,7 @@
           <a:p>
             <a:fld id="{70FA765B-E17F-4060-A85E-28D4811EAE6B}" type="datetimeFigureOut">
               <a:rPr lang="zh-CN" altLang="en-US" smtClean="0"/>
-              <a:t>2015/12/10</a:t>
+              <a:t>15/12/10</a:t>
             </a:fld>
             <a:endParaRPr lang="zh-CN" altLang="en-US"/>
           </a:p>
@@ -4967,7 +5303,7 @@
           <a:p>
             <a:fld id="{70FA765B-E17F-4060-A85E-28D4811EAE6B}" type="datetimeFigureOut">
               <a:rPr lang="zh-CN" altLang="en-US" smtClean="0"/>
-              <a:t>2015/12/10</a:t>
+              <a:t>15/12/10</a:t>
             </a:fld>
             <a:endParaRPr lang="zh-CN" altLang="en-US"/>
           </a:p>
@@ -5424,7 +5760,7 @@
           <a:p>
             <a:fld id="{70FA765B-E17F-4060-A85E-28D4811EAE6B}" type="datetimeFigureOut">
               <a:rPr lang="zh-CN" altLang="en-US" smtClean="0"/>
-              <a:t>2015/12/10</a:t>
+              <a:t>15/12/10</a:t>
             </a:fld>
             <a:endParaRPr lang="zh-CN" altLang="en-US"/>
           </a:p>
@@ -5629,7 +5965,7 @@
           <a:p>
             <a:fld id="{70FA765B-E17F-4060-A85E-28D4811EAE6B}" type="datetimeFigureOut">
               <a:rPr lang="zh-CN" altLang="en-US" smtClean="0"/>
-              <a:t>2015/12/10</a:t>
+              <a:t>15/12/10</a:t>
             </a:fld>
             <a:endParaRPr lang="zh-CN" altLang="en-US"/>
           </a:p>
@@ -5806,7 +6142,7 @@
           <a:p>
             <a:fld id="{70FA765B-E17F-4060-A85E-28D4811EAE6B}" type="datetimeFigureOut">
               <a:rPr lang="zh-CN" altLang="en-US" smtClean="0"/>
-              <a:t>2015/12/10</a:t>
+              <a:t>15/12/10</a:t>
             </a:fld>
             <a:endParaRPr lang="zh-CN" altLang="en-US"/>
           </a:p>
@@ -6139,7 +6475,7 @@
           <a:p>
             <a:fld id="{70FA765B-E17F-4060-A85E-28D4811EAE6B}" type="datetimeFigureOut">
               <a:rPr lang="zh-CN" altLang="en-US" smtClean="0"/>
-              <a:t>2015/12/10</a:t>
+              <a:t>15/12/10</a:t>
             </a:fld>
             <a:endParaRPr lang="zh-CN" altLang="en-US"/>
           </a:p>
@@ -6484,7 +6820,7 @@
           <a:p>
             <a:fld id="{70FA765B-E17F-4060-A85E-28D4811EAE6B}" type="datetimeFigureOut">
               <a:rPr lang="zh-CN" altLang="en-US" smtClean="0"/>
-              <a:t>2015/12/10</a:t>
+              <a:t>15/12/10</a:t>
             </a:fld>
             <a:endParaRPr lang="zh-CN" altLang="en-US"/>
           </a:p>
@@ -8601,7 +8937,7 @@
           <a:p>
             <a:fld id="{70FA765B-E17F-4060-A85E-28D4811EAE6B}" type="datetimeFigureOut">
               <a:rPr lang="zh-CN" altLang="en-US" smtClean="0"/>
-              <a:t>2015/12/10</a:t>
+              <a:t>15/12/10</a:t>
             </a:fld>
             <a:endParaRPr lang="zh-CN" altLang="en-US"/>
           </a:p>
@@ -9191,7 +9527,7 @@
           <p:nvPr/>
         </p:nvPicPr>
         <p:blipFill>
-          <a:blip r:embed="rId2" cstate="print">
+          <a:blip r:embed="rId3" cstate="print">
             <a:extLst>
               <a:ext uri="{28A0092B-C50C-407E-A947-70E740481C1C}">
                 <a14:useLocalDpi xmlns:a14="http://schemas.microsoft.com/office/drawing/2010/main" val="0"/>
@@ -9608,11 +9944,7 @@
             <a:pPr lvl="1"/>
             <a:r>
               <a:rPr lang="zh-CN" altLang="en-US" dirty="0" smtClean="0"/>
-              <a:t>待制定详细导出</a:t>
-            </a:r>
-            <a:r>
-              <a:rPr lang="zh-CN" altLang="en-US" dirty="0" smtClean="0"/>
-              <a:t>模型</a:t>
+              <a:t>待制定详细导出模型</a:t>
             </a:r>
             <a:endParaRPr lang="en-US" altLang="zh-CN" dirty="0" smtClean="0"/>
           </a:p>
@@ -10237,7 +10569,7 @@
           <p:nvPr/>
         </p:nvPicPr>
         <p:blipFill>
-          <a:blip r:embed="rId2">
+          <a:blip r:embed="rId3">
             <a:extLst>
               <a:ext uri="{28A0092B-C50C-407E-A947-70E740481C1C}">
                 <a14:useLocalDpi xmlns:a14="http://schemas.microsoft.com/office/drawing/2010/main" val="0"/>
@@ -10439,7 +10771,7 @@
           <p:nvPr/>
         </p:nvPicPr>
         <p:blipFill>
-          <a:blip r:embed="rId2" cstate="print">
+          <a:blip r:embed="rId3" cstate="print">
             <a:extLst>
               <a:ext uri="{28A0092B-C50C-407E-A947-70E740481C1C}">
                 <a14:useLocalDpi xmlns:a14="http://schemas.microsoft.com/office/drawing/2010/main" val="0"/>
@@ -10499,7 +10831,7 @@
           <p:nvPr/>
         </p:nvPicPr>
         <p:blipFill>
-          <a:blip r:embed="rId3">
+          <a:blip r:embed="rId4">
             <a:extLst>
               <a:ext uri="{28A0092B-C50C-407E-A947-70E740481C1C}">
                 <a14:useLocalDpi xmlns:a14="http://schemas.microsoft.com/office/drawing/2010/main" val="0"/>
@@ -10553,7 +10885,7 @@
           <p:nvPr/>
         </p:nvPicPr>
         <p:blipFill>
-          <a:blip r:embed="rId4">
+          <a:blip r:embed="rId5">
             <a:extLst>
               <a:ext uri="{28A0092B-C50C-407E-A947-70E740481C1C}">
                 <a14:useLocalDpi xmlns:a14="http://schemas.microsoft.com/office/drawing/2010/main" val="0"/>
@@ -12122,11 +12454,7 @@
           <a:p>
             <a:r>
               <a:rPr lang="zh-CN" altLang="en-US" dirty="0" smtClean="0"/>
-              <a:t>干部</a:t>
-            </a:r>
-            <a:r>
-              <a:rPr lang="zh-CN" altLang="en-US" dirty="0" smtClean="0"/>
-              <a:t>档案页</a:t>
+              <a:t>干部档案页</a:t>
             </a:r>
             <a:endParaRPr lang="en-US" altLang="zh-CN" dirty="0" smtClean="0"/>
           </a:p>
@@ -12177,11 +12505,7 @@
             <a:pPr lvl="1"/>
             <a:r>
               <a:rPr lang="zh-CN" altLang="en-US" dirty="0" smtClean="0"/>
-              <a:t>社会学术</a:t>
-            </a:r>
-            <a:r>
-              <a:rPr lang="zh-CN" altLang="en-US" dirty="0" smtClean="0"/>
-              <a:t>兼职</a:t>
+              <a:t>社会学术兼职</a:t>
             </a:r>
             <a:endParaRPr lang="en-US" altLang="zh-CN" dirty="0" smtClean="0"/>
           </a:p>
@@ -12450,7 +12774,7 @@
           <p:nvPr/>
         </p:nvPicPr>
         <p:blipFill>
-          <a:blip r:embed="rId2" cstate="print">
+          <a:blip r:embed="rId3" cstate="print">
             <a:extLst>
               <a:ext uri="{28A0092B-C50C-407E-A947-70E740481C1C}">
                 <a14:useLocalDpi xmlns:a14="http://schemas.microsoft.com/office/drawing/2010/main" val="0"/>
